--- a/Session02/03. Practice 1.pptx
+++ b/Session02/03. Practice 1.pptx
@@ -5113,7 +5113,15 @@
           <a:p>
             <a:r>
               <a:rPr lang="en-US" smtClean="0"/>
-              <a:t>Sử dụng Bootstrap 4, CSS 3, TypeScript &amp; Angular</a:t>
+              <a:t>Sử dụng Bootstrap 4, </a:t>
+            </a:r>
+            <a:r>
+              <a:rPr lang="en-US" smtClean="0"/>
+              <a:t>CSS3, HTML5, </a:t>
+            </a:r>
+            <a:r>
+              <a:rPr lang="en-US" smtClean="0"/>
+              <a:t>TypeScript &amp; Angular</a:t>
             </a:r>
           </a:p>
           <a:p>
@@ -5349,15 +5357,7 @@
                   <a:srgbClr val="FFFF00"/>
                 </a:solidFill>
               </a:rPr>
-              <a:t>://</a:t>
-            </a:r>
-            <a:r>
-              <a:rPr lang="en-US">
-                <a:solidFill>
-                  <a:srgbClr val="FFFF00"/>
-                </a:solidFill>
-              </a:rPr>
-              <a:t>getbootstrap.com/docs/4.2/getting-started/introduction</a:t>
+              <a:t>://getbootstrap.com/docs/4.2/getting-started/introduction</a:t>
             </a:r>
             <a:r>
               <a:rPr lang="en-US" smtClean="0">
